--- a/Arquitetura Joao Acesso.pptx
+++ b/Arquitetura Joao Acesso.pptx
@@ -245,7 +245,7 @@
           <a:p>
             <a:fld id="{F4F26EC6-1D0D-457F-BF2C-BE96F639EEBF}" type="datetimeFigureOut">
               <a:rPr lang="pt-BR" smtClean="0"/>
-              <a:t>23/03/2022</a:t>
+              <a:t>21/05/2022</a:t>
             </a:fld>
             <a:endParaRPr lang="pt-BR"/>
           </a:p>
@@ -415,7 +415,7 @@
           <a:p>
             <a:fld id="{F4F26EC6-1D0D-457F-BF2C-BE96F639EEBF}" type="datetimeFigureOut">
               <a:rPr lang="pt-BR" smtClean="0"/>
-              <a:t>23/03/2022</a:t>
+              <a:t>21/05/2022</a:t>
             </a:fld>
             <a:endParaRPr lang="pt-BR"/>
           </a:p>
@@ -595,7 +595,7 @@
           <a:p>
             <a:fld id="{F4F26EC6-1D0D-457F-BF2C-BE96F639EEBF}" type="datetimeFigureOut">
               <a:rPr lang="pt-BR" smtClean="0"/>
-              <a:t>23/03/2022</a:t>
+              <a:t>21/05/2022</a:t>
             </a:fld>
             <a:endParaRPr lang="pt-BR"/>
           </a:p>
@@ -765,7 +765,7 @@
           <a:p>
             <a:fld id="{F4F26EC6-1D0D-457F-BF2C-BE96F639EEBF}" type="datetimeFigureOut">
               <a:rPr lang="pt-BR" smtClean="0"/>
-              <a:t>23/03/2022</a:t>
+              <a:t>21/05/2022</a:t>
             </a:fld>
             <a:endParaRPr lang="pt-BR"/>
           </a:p>
@@ -1011,7 +1011,7 @@
           <a:p>
             <a:fld id="{F4F26EC6-1D0D-457F-BF2C-BE96F639EEBF}" type="datetimeFigureOut">
               <a:rPr lang="pt-BR" smtClean="0"/>
-              <a:t>23/03/2022</a:t>
+              <a:t>21/05/2022</a:t>
             </a:fld>
             <a:endParaRPr lang="pt-BR"/>
           </a:p>
@@ -1243,7 +1243,7 @@
           <a:p>
             <a:fld id="{F4F26EC6-1D0D-457F-BF2C-BE96F639EEBF}" type="datetimeFigureOut">
               <a:rPr lang="pt-BR" smtClean="0"/>
-              <a:t>23/03/2022</a:t>
+              <a:t>21/05/2022</a:t>
             </a:fld>
             <a:endParaRPr lang="pt-BR"/>
           </a:p>
@@ -1610,7 +1610,7 @@
           <a:p>
             <a:fld id="{F4F26EC6-1D0D-457F-BF2C-BE96F639EEBF}" type="datetimeFigureOut">
               <a:rPr lang="pt-BR" smtClean="0"/>
-              <a:t>23/03/2022</a:t>
+              <a:t>21/05/2022</a:t>
             </a:fld>
             <a:endParaRPr lang="pt-BR"/>
           </a:p>
@@ -1728,7 +1728,7 @@
           <a:p>
             <a:fld id="{F4F26EC6-1D0D-457F-BF2C-BE96F639EEBF}" type="datetimeFigureOut">
               <a:rPr lang="pt-BR" smtClean="0"/>
-              <a:t>23/03/2022</a:t>
+              <a:t>21/05/2022</a:t>
             </a:fld>
             <a:endParaRPr lang="pt-BR"/>
           </a:p>
@@ -1823,7 +1823,7 @@
           <a:p>
             <a:fld id="{F4F26EC6-1D0D-457F-BF2C-BE96F639EEBF}" type="datetimeFigureOut">
               <a:rPr lang="pt-BR" smtClean="0"/>
-              <a:t>23/03/2022</a:t>
+              <a:t>21/05/2022</a:t>
             </a:fld>
             <a:endParaRPr lang="pt-BR"/>
           </a:p>
@@ -2100,7 +2100,7 @@
           <a:p>
             <a:fld id="{F4F26EC6-1D0D-457F-BF2C-BE96F639EEBF}" type="datetimeFigureOut">
               <a:rPr lang="pt-BR" smtClean="0"/>
-              <a:t>23/03/2022</a:t>
+              <a:t>21/05/2022</a:t>
             </a:fld>
             <a:endParaRPr lang="pt-BR"/>
           </a:p>
@@ -2353,7 +2353,7 @@
           <a:p>
             <a:fld id="{F4F26EC6-1D0D-457F-BF2C-BE96F639EEBF}" type="datetimeFigureOut">
               <a:rPr lang="pt-BR" smtClean="0"/>
-              <a:t>23/03/2022</a:t>
+              <a:t>21/05/2022</a:t>
             </a:fld>
             <a:endParaRPr lang="pt-BR"/>
           </a:p>
@@ -2566,7 +2566,7 @@
           <a:p>
             <a:fld id="{F4F26EC6-1D0D-457F-BF2C-BE96F639EEBF}" type="datetimeFigureOut">
               <a:rPr lang="pt-BR" smtClean="0"/>
-              <a:t>23/03/2022</a:t>
+              <a:t>21/05/2022</a:t>
             </a:fld>
             <a:endParaRPr lang="pt-BR"/>
           </a:p>
@@ -3374,66 +3374,6 @@
               <a:cs typeface="Arial" panose="020B0604020202020204" pitchFamily="34" charset="0"/>
             </a:endParaRPr>
           </a:p>
-          <a:p>
-            <a:pPr algn="ctr"/>
-            <a:r>
-              <a:rPr lang="pt-BR" sz="1200" i="1" dirty="0" smtClean="0">
-                <a:solidFill>
-                  <a:schemeClr val="accent1">
-                    <a:lumMod val="50000"/>
-                  </a:schemeClr>
-                </a:solidFill>
-                <a:latin typeface="Arial" panose="020B0604020202020204" pitchFamily="34" charset="0"/>
-                <a:cs typeface="Arial" panose="020B0604020202020204" pitchFamily="34" charset="0"/>
-              </a:rPr>
-              <a:t>Gloria </a:t>
-            </a:r>
-            <a:r>
-              <a:rPr lang="pt-BR" sz="1200" i="1" dirty="0" err="1" smtClean="0">
-                <a:solidFill>
-                  <a:schemeClr val="accent1">
-                    <a:lumMod val="50000"/>
-                  </a:schemeClr>
-                </a:solidFill>
-                <a:latin typeface="Arial" panose="020B0604020202020204" pitchFamily="34" charset="0"/>
-                <a:cs typeface="Arial" panose="020B0604020202020204" pitchFamily="34" charset="0"/>
-              </a:rPr>
-              <a:t>Css</a:t>
-            </a:r>
-            <a:endParaRPr lang="pt-BR" sz="1200" i="1" dirty="0" smtClean="0">
-              <a:solidFill>
-                <a:schemeClr val="accent1">
-                  <a:lumMod val="50000"/>
-                </a:schemeClr>
-              </a:solidFill>
-              <a:latin typeface="Arial" panose="020B0604020202020204" pitchFamily="34" charset="0"/>
-              <a:cs typeface="Arial" panose="020B0604020202020204" pitchFamily="34" charset="0"/>
-            </a:endParaRPr>
-          </a:p>
-          <a:p>
-            <a:pPr algn="ctr"/>
-            <a:r>
-              <a:rPr lang="pt-BR" sz="1200" i="1" dirty="0" err="1" smtClean="0">
-                <a:solidFill>
-                  <a:schemeClr val="accent1">
-                    <a:lumMod val="50000"/>
-                  </a:schemeClr>
-                </a:solidFill>
-                <a:latin typeface="Arial" panose="020B0604020202020204" pitchFamily="34" charset="0"/>
-                <a:cs typeface="Arial" panose="020B0604020202020204" pitchFamily="34" charset="0"/>
-              </a:rPr>
-              <a:t>React</a:t>
-            </a:r>
-            <a:endParaRPr lang="pt-BR" sz="1200" i="1" dirty="0" smtClean="0">
-              <a:solidFill>
-                <a:schemeClr val="accent1">
-                  <a:lumMod val="50000"/>
-                </a:schemeClr>
-              </a:solidFill>
-              <a:latin typeface="Arial" panose="020B0604020202020204" pitchFamily="34" charset="0"/>
-              <a:cs typeface="Arial" panose="020B0604020202020204" pitchFamily="34" charset="0"/>
-            </a:endParaRPr>
-          </a:p>
         </p:txBody>
       </p:sp>
       <p:cxnSp>
@@ -4043,7 +3983,11 @@
             <a:pPr algn="ctr"/>
             <a:r>
               <a:rPr lang="pt-BR" sz="1400" dirty="0" smtClean="0"/>
-              <a:t>Nativos  ou (Colaboradores)CRUD</a:t>
+              <a:t>Usuários ou </a:t>
+            </a:r>
+            <a:r>
+              <a:rPr lang="pt-BR" sz="1400" dirty="0" smtClean="0"/>
+              <a:t>(Colaboradores)CRUD</a:t>
             </a:r>
           </a:p>
           <a:p>
@@ -4071,11 +4015,6 @@
               </a:rPr>
               <a:t>Relatórios </a:t>
             </a:r>
-            <a:endParaRPr lang="pt-BR" sz="1400" dirty="0" smtClean="0">
-              <a:solidFill>
-                <a:srgbClr val="00B050"/>
-              </a:solidFill>
-            </a:endParaRPr>
           </a:p>
           <a:p>
             <a:pPr algn="ctr"/>
@@ -4201,11 +4140,6 @@
               </a:rPr>
               <a:t>Relatórios </a:t>
             </a:r>
-            <a:endParaRPr lang="pt-BR" sz="1400" dirty="0" smtClean="0">
-              <a:solidFill>
-                <a:srgbClr val="00B050"/>
-              </a:solidFill>
-            </a:endParaRPr>
           </a:p>
           <a:p>
             <a:pPr algn="ctr"/>
@@ -4370,8 +4304,13 @@
             </a:r>
             <a:r>
               <a:rPr lang="pt-BR" sz="1400" dirty="0" smtClean="0"/>
-              <a:t>: Tipo de Nativo)</a:t>
-            </a:r>
+              <a:t>: Tipo </a:t>
+            </a:r>
+            <a:r>
+              <a:rPr lang="pt-BR" sz="1400" dirty="0"/>
+              <a:t>de Usuários )</a:t>
+            </a:r>
+            <a:endParaRPr lang="pt-BR" sz="1400" dirty="0" smtClean="0"/>
           </a:p>
           <a:p>
             <a:r>
@@ -4568,15 +4507,15 @@
                   <a:srgbClr val="CCECFF"/>
                 </a:solidFill>
               </a:rPr>
-              <a:t>: </a:t>
-            </a:r>
-            <a:r>
-              <a:rPr lang="pt-BR" sz="1400" dirty="0" err="1" smtClean="0">
+              <a:t>: Ativo</a:t>
+            </a:r>
+            <a:r>
+              <a:rPr lang="pt-BR" sz="1400" dirty="0" smtClean="0">
                 <a:solidFill>
                   <a:srgbClr val="CCECFF"/>
                 </a:solidFill>
               </a:rPr>
-              <a:t>Ativo,Inativo</a:t>
+              <a:t>, Inativo</a:t>
             </a:r>
             <a:r>
               <a:rPr lang="pt-BR" sz="1400" dirty="0" smtClean="0">
@@ -4608,8 +4547,11 @@
                   </a:schemeClr>
                 </a:solidFill>
               </a:rPr>
-              <a:t>Validações </a:t>
-            </a:r>
+              <a:t>Validações e inserções do registro:</a:t>
+            </a:r>
+          </a:p>
+          <a:p>
+            <a:pPr algn="ctr"/>
             <a:r>
               <a:rPr lang="pt-BR" sz="1400" dirty="0" smtClean="0">
                 <a:solidFill>
@@ -4618,40 +4560,7 @@
                   </a:schemeClr>
                 </a:solidFill>
               </a:rPr>
-              <a:t>e inserções do registro:</a:t>
-            </a:r>
-          </a:p>
-          <a:p>
-            <a:pPr algn="ctr"/>
-            <a:r>
-              <a:rPr lang="pt-BR" sz="1400" dirty="0" smtClean="0">
-                <a:solidFill>
-                  <a:schemeClr val="bg1">
-                    <a:lumMod val="95000"/>
-                  </a:schemeClr>
-                </a:solidFill>
-              </a:rPr>
-              <a:t>Se existe </a:t>
-            </a:r>
-            <a:r>
-              <a:rPr lang="pt-BR" sz="1400" dirty="0" smtClean="0">
-                <a:solidFill>
-                  <a:schemeClr val="bg1">
-                    <a:lumMod val="95000"/>
-                  </a:schemeClr>
-                </a:solidFill>
-              </a:rPr>
-              <a:t>Credencial </a:t>
-            </a:r>
-            <a:r>
-              <a:rPr lang="pt-BR" sz="1400" dirty="0" smtClean="0">
-                <a:solidFill>
-                  <a:schemeClr val="bg1">
-                    <a:lumMod val="95000"/>
-                  </a:schemeClr>
-                </a:solidFill>
-              </a:rPr>
-              <a:t>atrelada </a:t>
+              <a:t>Se existe Credencial atrelada </a:t>
             </a:r>
           </a:p>
           <a:p>
@@ -4795,26 +4704,7 @@
               <a:rPr lang="pt-BR" sz="1050" dirty="0" smtClean="0"/>
               <a:t>h10:00</a:t>
             </a:r>
-          </a:p>
-          <a:p>
-            <a:r>
-              <a:rPr lang="pt-BR" sz="1050" dirty="0" err="1" smtClean="0"/>
-              <a:t>Posicao</a:t>
-            </a:r>
-            <a:r>
-              <a:rPr lang="pt-BR" sz="1050" dirty="0" smtClean="0"/>
-              <a:t>: Entrada = Giro 1, Update</a:t>
-            </a:r>
-          </a:p>
-          <a:p>
-            <a:r>
-              <a:rPr lang="pt-BR" sz="1050" dirty="0" err="1" smtClean="0"/>
-              <a:t>Saida</a:t>
-            </a:r>
-            <a:r>
-              <a:rPr lang="pt-BR" sz="1050" dirty="0" smtClean="0"/>
-              <a:t> Giro = 0 = Retoma Giro 1</a:t>
-            </a:r>
+            <a:endParaRPr lang="pt-BR" sz="1050" dirty="0" smtClean="0"/>
           </a:p>
         </p:txBody>
       </p:sp>
@@ -5037,15 +4927,7 @@
             <a:pPr algn="ctr"/>
             <a:r>
               <a:rPr lang="pt-BR" sz="1400" dirty="0" smtClean="0"/>
-              <a:t>Recebe os dados nativo e valida o acesso e Gerar </a:t>
-            </a:r>
-            <a:r>
-              <a:rPr lang="pt-BR" sz="1400" dirty="0" smtClean="0"/>
-              <a:t>Relatórios </a:t>
-            </a:r>
-            <a:r>
-              <a:rPr lang="pt-BR" sz="1400" dirty="0" smtClean="0"/>
-              <a:t>de Acesso:</a:t>
+              <a:t>Recebe os dados nativo e valida o acesso e Gerar Relatórios de Acesso:</a:t>
             </a:r>
           </a:p>
           <a:p>
@@ -5069,11 +4951,6 @@
               </a:rPr>
               <a:t>Situação: </a:t>
             </a:r>
-            <a:endParaRPr lang="pt-BR" sz="1400" dirty="0" smtClean="0">
-              <a:solidFill>
-                <a:srgbClr val="FF0000"/>
-              </a:solidFill>
-            </a:endParaRPr>
           </a:p>
           <a:p>
             <a:pPr algn="ctr"/>
@@ -5737,13 +5614,8 @@
           <a:p>
             <a:r>
               <a:rPr lang="pt-BR" sz="1400" dirty="0" smtClean="0"/>
-              <a:t>Campos de cadastros </a:t>
-            </a:r>
-            <a:r>
-              <a:rPr lang="pt-BR" sz="1400" dirty="0" smtClean="0"/>
-              <a:t>dados usuário</a:t>
-            </a:r>
-            <a:endParaRPr lang="pt-BR" sz="1400" dirty="0" smtClean="0"/>
+              <a:t>Campos de cadastros dados usuário</a:t>
+            </a:r>
           </a:p>
           <a:p>
             <a:endParaRPr lang="pt-BR" sz="1400" dirty="0" smtClean="0"/>
@@ -5823,13 +5695,8 @@
           <a:p>
             <a:r>
               <a:rPr lang="pt-BR" sz="1050" dirty="0" smtClean="0"/>
-              <a:t>Tabela de Controle</a:t>
-            </a:r>
-            <a:r>
-              <a:rPr lang="pt-BR" sz="1050" dirty="0" smtClean="0"/>
-              <a:t>: Credencial</a:t>
-            </a:r>
-            <a:endParaRPr lang="pt-BR" sz="1050" dirty="0" smtClean="0"/>
+              <a:t>Tabela de Controle: Credencial</a:t>
+            </a:r>
           </a:p>
         </p:txBody>
       </p:sp>
@@ -6002,15 +5869,7 @@
             <a:pPr algn="ctr"/>
             <a:r>
               <a:rPr lang="pt-BR" sz="1400" dirty="0" smtClean="0"/>
-              <a:t>Recebe os dados </a:t>
-            </a:r>
-            <a:r>
-              <a:rPr lang="pt-BR" sz="1400" dirty="0" smtClean="0"/>
-              <a:t>usuário e </a:t>
-            </a:r>
-            <a:r>
-              <a:rPr lang="pt-BR" sz="1400" dirty="0" smtClean="0"/>
-              <a:t>valida o acesso e Gerar Relatórios de Acesso:</a:t>
+              <a:t>Recebe os dados usuário e valida o acesso e Gerar Relatórios de Acesso:</a:t>
             </a:r>
           </a:p>
           <a:p>
@@ -6034,11 +5893,6 @@
               </a:rPr>
               <a:t>Situação: </a:t>
             </a:r>
-            <a:endParaRPr lang="pt-BR" sz="1400" dirty="0" smtClean="0">
-              <a:solidFill>
-                <a:srgbClr val="FF0000"/>
-              </a:solidFill>
-            </a:endParaRPr>
           </a:p>
           <a:p>
             <a:pPr algn="ctr"/>
@@ -6266,11 +6120,19 @@
             </a:r>
             <a:r>
               <a:rPr lang="pt-BR" sz="1200" dirty="0" err="1" smtClean="0"/>
-              <a:t>Sp_cadastrar</a:t>
+              <a:t>Storage_Procedure</a:t>
+            </a:r>
+            <a:r>
+              <a:rPr lang="pt-BR" sz="1200" dirty="0" err="1" smtClean="0"/>
+              <a:t>_cadastrar</a:t>
             </a:r>
             <a:r>
               <a:rPr lang="pt-BR" sz="1200" dirty="0" smtClean="0"/>
-              <a:t> nativos</a:t>
+              <a:t> </a:t>
+            </a:r>
+            <a:r>
+              <a:rPr lang="pt-BR" sz="1200" dirty="0" smtClean="0"/>
+              <a:t>nativos</a:t>
             </a:r>
             <a:endParaRPr lang="pt-BR" sz="1200" dirty="0"/>
           </a:p>
@@ -6458,12 +6320,16 @@
           <a:p>
             <a:pPr algn="ctr"/>
             <a:r>
-              <a:rPr lang="pt-BR" sz="1200" dirty="0" err="1" smtClean="0"/>
-              <a:t>Sp_verifica</a:t>
+              <a:rPr lang="pt-BR" sz="1200" dirty="0" err="1"/>
+              <a:t>Storage_Procedur_verifica</a:t>
+            </a:r>
+            <a:r>
+              <a:rPr lang="pt-BR" sz="1200" dirty="0"/>
+              <a:t> </a:t>
             </a:r>
             <a:r>
               <a:rPr lang="pt-BR" sz="1200" dirty="0" smtClean="0"/>
-              <a:t> Acessos</a:t>
+              <a:t>Acessos</a:t>
             </a:r>
             <a:endParaRPr lang="pt-BR" sz="1200" dirty="0"/>
           </a:p>
@@ -6629,11 +6495,7 @@
           <a:p>
             <a:r>
               <a:rPr lang="pt-BR" sz="1200" dirty="0" smtClean="0"/>
-              <a:t>Comunica </a:t>
-            </a:r>
-            <a:r>
-              <a:rPr lang="pt-BR" sz="1200" dirty="0" smtClean="0"/>
-              <a:t>via </a:t>
+              <a:t>Comunica via </a:t>
             </a:r>
             <a:r>
               <a:rPr lang="pt-BR" sz="1200" dirty="0" err="1" smtClean="0"/>
